--- a/ppt/css3/css3-1.pptx
+++ b/ppt/css3/css3-1.pptx
@@ -5,10 +5,10 @@
     <p:sldMasterId id="2147483648" r:id="rId2"/>
   </p:sldMasterIdLst>
   <p:notesMasterIdLst>
-    <p:notesMasterId r:id="rId13"/>
+    <p:notesMasterId r:id="rId12"/>
   </p:notesMasterIdLst>
   <p:handoutMasterIdLst>
-    <p:handoutMasterId r:id="rId14"/>
+    <p:handoutMasterId r:id="rId13"/>
   </p:handoutMasterIdLst>
   <p:sldIdLst>
     <p:sldId id="256" r:id="rId3"/>
@@ -18,9 +18,8 @@
     <p:sldId id="267" r:id="rId7"/>
     <p:sldId id="268" r:id="rId8"/>
     <p:sldId id="269" r:id="rId9"/>
-    <p:sldId id="271" r:id="rId10"/>
-    <p:sldId id="272" r:id="rId11"/>
-    <p:sldId id="273" r:id="rId12"/>
+    <p:sldId id="272" r:id="rId10"/>
+    <p:sldId id="271" r:id="rId11"/>
   </p:sldIdLst>
   <p:sldSz cx="12192000" cy="6858000"/>
   <p:notesSz cx="6858000" cy="9144000"/>
@@ -212,7 +211,7 @@
           <a:p>
             <a:fld id="{20EA5F0D-C1DC-412F-A146-DDB3A74B588F}" type="datetimeFigureOut">
               <a:rPr lang="en-US" altLang="zh-CN"/>
-              <a:t>11/30/2016</a:t>
+              <a:t>12/1/2016</a:t>
             </a:fld>
             <a:endParaRPr lang="zh-CN"/>
           </a:p>
@@ -376,7 +375,7 @@
           </a:lstStyle>
           <a:p>
             <a:fld id="{A8CDE508-72C8-4AB5-AA9C-1584D31690E0}" type="datetimeFigureOut">
-              <a:t>2016/11/30</a:t>
+              <a:t>2016/12/1</a:t>
             </a:fld>
             <a:endParaRPr lang="zh-CN"/>
           </a:p>
@@ -991,7 +990,7 @@
           <a:lstStyle/>
           <a:p>
             <a:fld id="{9E583DDF-CA54-461A-A486-592D2374C532}" type="datetimeFigureOut">
-              <a:t>2016/11/30</a:t>
+              <a:t>2016/12/1</a:t>
             </a:fld>
             <a:endParaRPr lang="zh-CN"/>
           </a:p>
@@ -1181,7 +1180,7 @@
           <a:lstStyle/>
           <a:p>
             <a:fld id="{9E583DDF-CA54-461A-A486-592D2374C532}" type="datetimeFigureOut">
-              <a:t>2016/11/30</a:t>
+              <a:t>2016/12/1</a:t>
             </a:fld>
             <a:endParaRPr lang="zh-CN"/>
           </a:p>
@@ -1361,7 +1360,7 @@
           <a:lstStyle/>
           <a:p>
             <a:fld id="{9E583DDF-CA54-461A-A486-592D2374C532}" type="datetimeFigureOut">
-              <a:t>2016/11/30</a:t>
+              <a:t>2016/12/1</a:t>
             </a:fld>
             <a:endParaRPr lang="zh-CN"/>
           </a:p>
@@ -1672,7 +1671,7 @@
           <a:lstStyle/>
           <a:p>
             <a:fld id="{9E583DDF-CA54-461A-A486-592D2374C532}" type="datetimeFigureOut">
-              <a:t>2016/11/30</a:t>
+              <a:t>2016/12/1</a:t>
             </a:fld>
             <a:endParaRPr lang="zh-CN"/>
           </a:p>
@@ -1979,7 +1978,7 @@
           <a:lstStyle/>
           <a:p>
             <a:fld id="{0A879FD0-C37A-4F50-8F3B-5FA0D9D0B42F}" type="datetimeFigureOut">
-              <a:t>2016/11/30</a:t>
+              <a:t>2016/12/1</a:t>
             </a:fld>
             <a:endParaRPr lang="zh-CN"/>
           </a:p>
@@ -2433,7 +2432,7 @@
           <a:lstStyle/>
           <a:p>
             <a:fld id="{9E583DDF-CA54-461A-A486-592D2374C532}" type="datetimeFigureOut">
-              <a:t>2016/11/30</a:t>
+              <a:t>2016/12/1</a:t>
             </a:fld>
             <a:endParaRPr lang="zh-CN"/>
           </a:p>
@@ -2568,7 +2567,7 @@
           <a:lstStyle/>
           <a:p>
             <a:fld id="{9E583DDF-CA54-461A-A486-592D2374C532}" type="datetimeFigureOut">
-              <a:t>2016/11/30</a:t>
+              <a:t>2016/12/1</a:t>
             </a:fld>
             <a:endParaRPr lang="zh-CN"/>
           </a:p>
@@ -2718,7 +2717,7 @@
           <a:lstStyle/>
           <a:p>
             <a:fld id="{9E583DDF-CA54-461A-A486-592D2374C532}" type="datetimeFigureOut">
-              <a:t>2016/11/30</a:t>
+              <a:t>2016/12/1</a:t>
             </a:fld>
             <a:endParaRPr lang="zh-CN"/>
           </a:p>
@@ -3014,7 +3013,7 @@
           <a:lstStyle/>
           <a:p>
             <a:fld id="{9E583DDF-CA54-461A-A486-592D2374C532}" type="datetimeFigureOut">
-              <a:t>2016/11/30</a:t>
+              <a:t>2016/12/1</a:t>
             </a:fld>
             <a:endParaRPr lang="zh-CN"/>
           </a:p>
@@ -3298,7 +3297,7 @@
           <a:lstStyle/>
           <a:p>
             <a:fld id="{9E583DDF-CA54-461A-A486-592D2374C532}" type="datetimeFigureOut">
-              <a:t>2016/11/30</a:t>
+              <a:t>2016/12/1</a:t>
             </a:fld>
             <a:endParaRPr lang="zh-CN"/>
           </a:p>
@@ -3571,7 +3570,7 @@
             <a:fld id="{9E583DDF-CA54-461A-A486-592D2374C532}" type="datetimeFigureOut">
               <a:rPr lang="en-US" altLang="zh-CN" smtClean="0"/>
               <a:pPr/>
-              <a:t>11/30/2016</a:t>
+              <a:t>12/1/2016</a:t>
             </a:fld>
             <a:endParaRPr lang="zh-CN" altLang="en-US"/>
           </a:p>
@@ -4041,7 +4040,7 @@
           <a:p>
             <a:r>
               <a:rPr lang="en-US" altLang="zh-CN" dirty="0" smtClean="0"/>
-              <a:t>Css3</a:t>
+              <a:t>Css3-2</a:t>
             </a:r>
             <a:endParaRPr lang="zh-CN" dirty="0"/>
           </a:p>
@@ -4062,6 +4061,10 @@
           <a:bodyPr/>
           <a:lstStyle/>
           <a:p>
+            <a:r>
+              <a:rPr lang="zh-CN" altLang="en-US" dirty="0" smtClean="0"/>
+              <a:t>响应式布局</a:t>
+            </a:r>
             <a:endParaRPr lang="zh-CN" dirty="0"/>
           </a:p>
         </p:txBody>
@@ -4098,94 +4101,6 @@
 </p:sld>
 </file>
 
-<file path=ppt/slides/slide10.xml><?xml version="1.0" encoding="utf-8"?>
-<p:sld xmlns:a="http://schemas.openxmlformats.org/drawingml/2006/main" xmlns:r="http://schemas.openxmlformats.org/officeDocument/2006/relationships" xmlns:p="http://schemas.openxmlformats.org/presentationml/2006/main">
-  <p:cSld>
-    <p:spTree>
-      <p:nvGrpSpPr>
-        <p:cNvPr id="1" name=""/>
-        <p:cNvGrpSpPr/>
-        <p:nvPr/>
-      </p:nvGrpSpPr>
-      <p:grpSpPr>
-        <a:xfrm>
-          <a:off x="0" y="0"/>
-          <a:ext cx="0" cy="0"/>
-          <a:chOff x="0" y="0"/>
-          <a:chExt cx="0" cy="0"/>
-        </a:xfrm>
-      </p:grpSpPr>
-      <p:sp>
-        <p:nvSpPr>
-          <p:cNvPr id="2" name="标题 1"/>
-          <p:cNvSpPr>
-            <a:spLocks noGrp="1"/>
-          </p:cNvSpPr>
-          <p:nvPr>
-            <p:ph type="title"/>
-          </p:nvPr>
-        </p:nvSpPr>
-        <p:spPr/>
-        <p:txBody>
-          <a:bodyPr/>
-          <a:lstStyle/>
-          <a:p>
-            <a:r>
-              <a:rPr lang="en-US" altLang="zh-CN" dirty="0" smtClean="0"/>
-              <a:t>4</a:t>
-            </a:r>
-            <a:r>
-              <a:rPr lang="zh-CN" altLang="en-US" dirty="0" smtClean="0"/>
-              <a:t>、字体</a:t>
-            </a:r>
-            <a:endParaRPr lang="zh-CN" altLang="en-US" dirty="0"/>
-          </a:p>
-        </p:txBody>
-      </p:sp>
-      <p:sp>
-        <p:nvSpPr>
-          <p:cNvPr id="3" name="内容占位符 2"/>
-          <p:cNvSpPr>
-            <a:spLocks noGrp="1"/>
-          </p:cNvSpPr>
-          <p:nvPr>
-            <p:ph idx="1"/>
-          </p:nvPr>
-        </p:nvSpPr>
-        <p:spPr/>
-        <p:txBody>
-          <a:bodyPr/>
-          <a:lstStyle/>
-          <a:p>
-            <a:endParaRPr lang="zh-CN" altLang="en-US" dirty="0"/>
-          </a:p>
-        </p:txBody>
-      </p:sp>
-    </p:spTree>
-    <p:extLst>
-      <p:ext uri="{BB962C8B-B14F-4D97-AF65-F5344CB8AC3E}">
-        <p14:creationId xmlns:p14="http://schemas.microsoft.com/office/powerpoint/2010/main" val="1676532206"/>
-      </p:ext>
-    </p:extLst>
-  </p:cSld>
-  <p:clrMapOvr>
-    <a:masterClrMapping/>
-  </p:clrMapOvr>
-  <mc:AlternateContent xmlns:mc="http://schemas.openxmlformats.org/markup-compatibility/2006" xmlns:p14="http://schemas.microsoft.com/office/powerpoint/2010/main">
-    <mc:Choice Requires="p14">
-      <p:transition spd="med" p14:dur="700">
-        <p:fade/>
-      </p:transition>
-    </mc:Choice>
-    <mc:Fallback xmlns="">
-      <p:transition spd="med">
-        <p:fade/>
-      </p:transition>
-    </mc:Fallback>
-  </mc:AlternateContent>
-</p:sld>
-</file>
-
 <file path=ppt/slides/slide2.xml><?xml version="1.0" encoding="utf-8"?>
 <p:sld xmlns:a="http://schemas.openxmlformats.org/drawingml/2006/main" xmlns:r="http://schemas.openxmlformats.org/officeDocument/2006/relationships" xmlns:p="http://schemas.openxmlformats.org/presentationml/2006/main">
   <p:cSld>
@@ -4246,8 +4161,12 @@
               <a:t>1</a:t>
             </a:r>
             <a:r>
+              <a:rPr lang="zh-CN" altLang="en-US" dirty="0"/>
+              <a:t>、</a:t>
+            </a:r>
+            <a:r>
               <a:rPr lang="zh-CN" altLang="en-US" dirty="0" smtClean="0"/>
-              <a:t>、边框</a:t>
+              <a:t>动画</a:t>
             </a:r>
             <a:endParaRPr lang="en-US" altLang="zh-CN" dirty="0" smtClean="0"/>
           </a:p>
@@ -4258,7 +4177,15 @@
             </a:r>
             <a:r>
               <a:rPr lang="zh-CN" altLang="en-US" dirty="0" smtClean="0"/>
-              <a:t>、背景</a:t>
+              <a:t>、</a:t>
+            </a:r>
+            <a:r>
+              <a:rPr lang="en-US" altLang="zh-CN" dirty="0" smtClean="0"/>
+              <a:t>2D</a:t>
+            </a:r>
+            <a:r>
+              <a:rPr lang="zh-CN" altLang="en-US" dirty="0" smtClean="0"/>
+              <a:t>转换</a:t>
             </a:r>
             <a:endParaRPr lang="en-US" altLang="zh-CN" dirty="0" smtClean="0"/>
           </a:p>
@@ -4269,7 +4196,15 @@
             </a:r>
             <a:r>
               <a:rPr lang="zh-CN" altLang="en-US" dirty="0" smtClean="0"/>
-              <a:t>、文本</a:t>
+              <a:t>、</a:t>
+            </a:r>
+            <a:r>
+              <a:rPr lang="en-US" altLang="zh-CN" dirty="0" smtClean="0"/>
+              <a:t>3D</a:t>
+            </a:r>
+            <a:r>
+              <a:rPr lang="zh-CN" altLang="en-US" dirty="0" smtClean="0"/>
+              <a:t>转换</a:t>
             </a:r>
             <a:endParaRPr lang="en-US" altLang="zh-CN" dirty="0" smtClean="0"/>
           </a:p>
@@ -4279,8 +4214,49 @@
               <a:t>4</a:t>
             </a:r>
             <a:r>
+              <a:rPr lang="zh-CN" altLang="en-US" dirty="0"/>
+              <a:t>、过渡</a:t>
+            </a:r>
+            <a:endParaRPr lang="en-US" altLang="zh-CN" dirty="0" smtClean="0"/>
+          </a:p>
+          <a:p>
+            <a:r>
+              <a:rPr lang="en-US" altLang="zh-CN" dirty="0" smtClean="0"/>
+              <a:t>5</a:t>
+            </a:r>
+            <a:r>
               <a:rPr lang="zh-CN" altLang="en-US" dirty="0" smtClean="0"/>
-              <a:t>、字体</a:t>
+              <a:t>、多列</a:t>
+            </a:r>
+            <a:endParaRPr lang="en-US" altLang="zh-CN" dirty="0" smtClean="0"/>
+          </a:p>
+          <a:p>
+            <a:r>
+              <a:rPr lang="en-US" altLang="zh-CN" dirty="0" smtClean="0"/>
+              <a:t>6</a:t>
+            </a:r>
+            <a:r>
+              <a:rPr lang="zh-CN" altLang="en-US" dirty="0" smtClean="0"/>
+              <a:t>、</a:t>
+            </a:r>
+            <a:r>
+              <a:rPr lang="en-US" altLang="zh-CN" dirty="0" smtClean="0"/>
+              <a:t>viewport &amp; </a:t>
+            </a:r>
+            <a:r>
+              <a:rPr lang="zh-CN" altLang="en-US" dirty="0" smtClean="0"/>
+              <a:t>单位</a:t>
+            </a:r>
+            <a:endParaRPr lang="en-US" altLang="zh-CN" dirty="0" smtClean="0"/>
+          </a:p>
+          <a:p>
+            <a:r>
+              <a:rPr lang="en-US" altLang="zh-CN" dirty="0" smtClean="0"/>
+              <a:t>7</a:t>
+            </a:r>
+            <a:r>
+              <a:rPr lang="zh-CN" altLang="en-US" dirty="0" smtClean="0"/>
+              <a:t>、弹性框</a:t>
             </a:r>
             <a:endParaRPr lang="zh-CN" altLang="en-US" dirty="0"/>
           </a:p>
@@ -4351,58 +4327,32 @@
           <a:lstStyle/>
           <a:p>
             <a:r>
-              <a:rPr lang="zh-CN" altLang="en-US" dirty="0" smtClean="0"/>
-              <a:t>边框</a:t>
-            </a:r>
-            <a:endParaRPr lang="zh-CN" dirty="0"/>
-          </a:p>
-        </p:txBody>
-      </p:sp>
-      <p:sp>
-        <p:nvSpPr>
-          <p:cNvPr id="14" name="内容占位符 13"/>
-          <p:cNvSpPr>
-            <a:spLocks noGrp="1"/>
-          </p:cNvSpPr>
-          <p:nvPr>
-            <p:ph idx="1"/>
-          </p:nvPr>
-        </p:nvSpPr>
-        <p:spPr/>
-        <p:txBody>
-          <a:bodyPr/>
-          <a:lstStyle/>
-          <a:p>
-            <a:r>
               <a:rPr lang="en-US" altLang="zh-CN" dirty="0" smtClean="0"/>
               <a:t>1</a:t>
             </a:r>
             <a:r>
               <a:rPr lang="zh-CN" altLang="en-US" dirty="0" smtClean="0"/>
-              <a:t>、圆角矩形边框</a:t>
-            </a:r>
-            <a:endParaRPr lang="en-US" altLang="zh-CN" dirty="0" smtClean="0"/>
-          </a:p>
-          <a:p>
-            <a:r>
-              <a:rPr lang="en-US" altLang="zh-CN" dirty="0" smtClean="0"/>
-              <a:t>2</a:t>
-            </a:r>
-            <a:r>
-              <a:rPr lang="zh-CN" altLang="en-US" dirty="0" smtClean="0"/>
-              <a:t>、框阴影</a:t>
-            </a:r>
-            <a:endParaRPr lang="en-US" altLang="zh-CN" dirty="0" smtClean="0"/>
-          </a:p>
-          <a:p>
-            <a:r>
-              <a:rPr lang="en-US" altLang="zh-CN" dirty="0" smtClean="0"/>
-              <a:t>3</a:t>
-            </a:r>
-            <a:r>
-              <a:rPr lang="zh-CN" altLang="en-US" dirty="0" smtClean="0"/>
-              <a:t>、图片边框</a:t>
-            </a:r>
+              <a:t>、动画</a:t>
+            </a:r>
+            <a:endParaRPr lang="zh-CN" dirty="0"/>
+          </a:p>
+        </p:txBody>
+      </p:sp>
+      <p:sp>
+        <p:nvSpPr>
+          <p:cNvPr id="14" name="内容占位符 13"/>
+          <p:cNvSpPr>
+            <a:spLocks noGrp="1"/>
+          </p:cNvSpPr>
+          <p:nvPr>
+            <p:ph idx="1"/>
+          </p:nvPr>
+        </p:nvSpPr>
+        <p:spPr/>
+        <p:txBody>
+          <a:bodyPr/>
+          <a:lstStyle/>
+          <a:p>
             <a:endParaRPr lang="zh-CN" dirty="0"/>
           </a:p>
         </p:txBody>
@@ -4472,12 +4422,20 @@
           <a:lstStyle/>
           <a:p>
             <a:r>
-              <a:rPr lang="en-US" altLang="zh-CN" dirty="0"/>
-              <a:t>1</a:t>
-            </a:r>
-            <a:r>
-              <a:rPr lang="zh-CN" altLang="en-US" dirty="0"/>
-              <a:t>、圆角矩形边框</a:t>
+              <a:rPr lang="en-US" altLang="zh-CN" dirty="0" smtClean="0"/>
+              <a:t>2</a:t>
+            </a:r>
+            <a:r>
+              <a:rPr lang="zh-CN" altLang="en-US" dirty="0" smtClean="0"/>
+              <a:t>、</a:t>
+            </a:r>
+            <a:r>
+              <a:rPr lang="en-US" altLang="zh-CN" dirty="0" smtClean="0"/>
+              <a:t>2d</a:t>
+            </a:r>
+            <a:r>
+              <a:rPr lang="zh-CN" altLang="en-US" dirty="0" smtClean="0"/>
+              <a:t>转换</a:t>
             </a:r>
             <a:endParaRPr lang="en-US" altLang="zh-CN" dirty="0"/>
           </a:p>
@@ -4499,57 +4457,63 @@
           <a:lstStyle/>
           <a:p>
             <a:r>
+              <a:rPr lang="en-US" altLang="zh-CN" dirty="0" smtClean="0"/>
+              <a:t>transform</a:t>
+            </a:r>
+            <a:r>
+              <a:rPr lang="zh-CN" altLang="en-US" dirty="0" smtClean="0"/>
+              <a:t>：</a:t>
+            </a:r>
+            <a:r>
               <a:rPr lang="en-US" altLang="zh-CN" dirty="0" err="1" smtClean="0"/>
-              <a:t>border-radius:w</a:t>
-            </a:r>
+              <a:t>translate,rotate,scale</a:t>
+            </a:r>
+            <a:endParaRPr lang="en-US" altLang="zh-CN" dirty="0" smtClean="0"/>
+          </a:p>
+          <a:p>
+            <a:endParaRPr lang="en-US" altLang="zh-CN" dirty="0"/>
+          </a:p>
+          <a:p>
             <a:r>
               <a:rPr lang="en-US" altLang="zh-CN" dirty="0" smtClean="0"/>
-              <a:t> x y z</a:t>
+              <a:t>translate </a:t>
             </a:r>
             <a:r>
               <a:rPr lang="zh-CN" altLang="en-US" dirty="0" smtClean="0"/>
-              <a:t>，</a:t>
-            </a:r>
+              <a:t>偏移量</a:t>
+            </a:r>
+            <a:endParaRPr lang="en-US" altLang="zh-CN" dirty="0" smtClean="0"/>
+          </a:p>
+          <a:p>
             <a:r>
               <a:rPr lang="en-US" altLang="zh-CN" dirty="0" smtClean="0"/>
-              <a:t>  </a:t>
+              <a:t>rotate </a:t>
             </a:r>
             <a:r>
               <a:rPr lang="zh-CN" altLang="en-US" dirty="0" smtClean="0"/>
-              <a:t>从左上角开始顺时针赋值</a:t>
-            </a:r>
+              <a:t>旋转</a:t>
+            </a:r>
+            <a:endParaRPr lang="en-US" altLang="zh-CN" dirty="0" smtClean="0"/>
+          </a:p>
+          <a:p>
             <a:r>
               <a:rPr lang="en-US" altLang="zh-CN" dirty="0" smtClean="0"/>
-              <a:t>;</a:t>
-            </a:r>
+              <a:t>scale </a:t>
+            </a:r>
+            <a:r>
+              <a:rPr lang="zh-CN" altLang="en-US" dirty="0" smtClean="0"/>
+              <a:t>缩放 </a:t>
+            </a:r>
+            <a:r>
+              <a:rPr lang="en-US" altLang="zh-CN" dirty="0" smtClean="0"/>
+              <a:t>(0~1)</a:t>
+            </a:r>
+          </a:p>
+          <a:p>
             <a:endParaRPr lang="zh-CN" altLang="en-US" dirty="0"/>
           </a:p>
         </p:txBody>
       </p:sp>
-      <p:pic>
-        <p:nvPicPr>
-          <p:cNvPr id="4" name="图片 3"/>
-          <p:cNvPicPr>
-            <a:picLocks noChangeAspect="1"/>
-          </p:cNvPicPr>
-          <p:nvPr/>
-        </p:nvPicPr>
-        <p:blipFill>
-          <a:blip r:embed="rId2"/>
-          <a:stretch>
-            <a:fillRect/>
-          </a:stretch>
-        </p:blipFill>
-        <p:spPr>
-          <a:xfrm>
-            <a:off x="1712664" y="2432985"/>
-            <a:ext cx="6629400" cy="2162175"/>
-          </a:xfrm>
-          <a:prstGeom prst="rect">
-            <a:avLst/>
-          </a:prstGeom>
-        </p:spPr>
-      </p:pic>
     </p:spTree>
     <p:extLst>
       <p:ext uri="{BB962C8B-B14F-4D97-AF65-F5344CB8AC3E}">
@@ -4609,11 +4573,19 @@
           <a:p>
             <a:r>
               <a:rPr lang="en-US" altLang="zh-CN" dirty="0" smtClean="0"/>
-              <a:t>2</a:t>
+              <a:t>3</a:t>
             </a:r>
             <a:r>
               <a:rPr lang="zh-CN" altLang="en-US" dirty="0" smtClean="0"/>
-              <a:t>、框阴影</a:t>
+              <a:t>、</a:t>
+            </a:r>
+            <a:r>
+              <a:rPr lang="en-US" altLang="zh-CN" dirty="0" smtClean="0"/>
+              <a:t>3d</a:t>
+            </a:r>
+            <a:r>
+              <a:rPr lang="zh-CN" altLang="en-US" dirty="0" smtClean="0"/>
+              <a:t>转换</a:t>
             </a:r>
             <a:endParaRPr lang="zh-CN" altLang="en-US" dirty="0"/>
           </a:p>
@@ -4752,11 +4724,11 @@
           <a:p>
             <a:r>
               <a:rPr lang="en-US" altLang="zh-CN" dirty="0" smtClean="0"/>
-              <a:t>3</a:t>
+              <a:t>4</a:t>
             </a:r>
             <a:r>
               <a:rPr lang="zh-CN" altLang="en-US" dirty="0" smtClean="0"/>
-              <a:t>、图片边框</a:t>
+              <a:t>、过渡</a:t>
             </a:r>
             <a:endParaRPr lang="zh-CN" altLang="en-US" dirty="0"/>
           </a:p>
@@ -4779,107 +4751,38 @@
           <a:p>
             <a:r>
               <a:rPr lang="en-US" altLang="zh-CN" dirty="0" smtClean="0"/>
-              <a:t>border-image:</a:t>
+              <a:t>transition</a:t>
             </a:r>
           </a:p>
           <a:p>
             <a:r>
               <a:rPr lang="en-US" altLang="zh-CN" dirty="0" smtClean="0"/>
-              <a:t>border-image-source </a:t>
-            </a:r>
-            <a:r>
-              <a:rPr lang="en-US" altLang="zh-CN" dirty="0"/>
-              <a:t> </a:t>
-            </a:r>
-            <a:r>
-              <a:rPr lang="zh-CN" altLang="en-US" sz="1600" dirty="0"/>
-              <a:t>边框图片位置</a:t>
-            </a:r>
-            <a:endParaRPr lang="en-US" altLang="zh-CN" sz="1600" dirty="0"/>
+              <a:t>transition-delay</a:t>
+            </a:r>
           </a:p>
           <a:p>
             <a:r>
               <a:rPr lang="en-US" altLang="zh-CN" dirty="0" smtClean="0"/>
-              <a:t>border-image-repeat</a:t>
-            </a:r>
-            <a:r>
-              <a:rPr lang="en-US" altLang="zh-CN" dirty="0"/>
-              <a:t> </a:t>
-            </a:r>
-            <a:r>
-              <a:rPr lang="zh-CN" altLang="en-US" sz="1600" dirty="0"/>
-              <a:t>图片展现方式 平铺</a:t>
-            </a:r>
-            <a:r>
-              <a:rPr lang="en-US" altLang="zh-CN" sz="1600" dirty="0"/>
-              <a:t>(repeated)</a:t>
-            </a:r>
-            <a:r>
-              <a:rPr lang="zh-CN" altLang="en-US" sz="1600" dirty="0"/>
-              <a:t>、铺满</a:t>
-            </a:r>
-            <a:r>
-              <a:rPr lang="en-US" altLang="zh-CN" sz="1600" dirty="0"/>
-              <a:t>(rounded)</a:t>
-            </a:r>
-            <a:r>
-              <a:rPr lang="zh-CN" altLang="en-US" sz="1600" dirty="0"/>
-              <a:t>、拉伸</a:t>
-            </a:r>
-            <a:r>
-              <a:rPr lang="en-US" altLang="zh-CN" sz="1600" dirty="0"/>
-              <a:t>(stretched)</a:t>
-            </a:r>
-            <a:r>
-              <a:rPr lang="zh-CN" altLang="en-US" sz="1600" dirty="0"/>
-              <a:t>。</a:t>
-            </a:r>
-            <a:endParaRPr lang="en-US" altLang="zh-CN" sz="1600" dirty="0"/>
+              <a:t>transition-duration</a:t>
+            </a:r>
+            <a:endParaRPr lang="zh-CN" altLang="en-US" dirty="0"/>
           </a:p>
           <a:p>
             <a:r>
               <a:rPr lang="en-US" altLang="zh-CN" dirty="0" smtClean="0"/>
-              <a:t>border-image-slice</a:t>
-            </a:r>
-            <a:r>
-              <a:rPr lang="en-US" altLang="zh-CN" sz="1600" dirty="0"/>
-              <a:t> </a:t>
-            </a:r>
-            <a:r>
-              <a:rPr lang="en-US" altLang="zh-CN" sz="1600" dirty="0" smtClean="0"/>
-              <a:t>           </a:t>
-            </a:r>
-            <a:r>
-              <a:rPr lang="zh-CN" altLang="en-US" sz="1600" dirty="0" smtClean="0"/>
-              <a:t>上</a:t>
-            </a:r>
-            <a:r>
-              <a:rPr lang="zh-CN" altLang="en-US" sz="1600" dirty="0"/>
-              <a:t>右下左 设置值，没有单位</a:t>
-            </a:r>
-            <a:endParaRPr lang="en-US" altLang="zh-CN" sz="1600" dirty="0"/>
+              <a:t>transition-property</a:t>
+            </a:r>
           </a:p>
           <a:p>
             <a:r>
               <a:rPr lang="en-US" altLang="zh-CN" dirty="0" smtClean="0"/>
-              <a:t>border-image-width           </a:t>
-            </a:r>
-            <a:r>
-              <a:rPr lang="zh-CN" altLang="en-US" sz="1600" dirty="0"/>
-              <a:t>图片边框的宽度。</a:t>
-            </a:r>
-            <a:endParaRPr lang="en-US" altLang="zh-CN" sz="1600" dirty="0"/>
-          </a:p>
-          <a:p>
-            <a:r>
-              <a:rPr lang="en-US" altLang="zh-CN" dirty="0" smtClean="0"/>
-              <a:t>border-image-outset             </a:t>
-            </a:r>
-            <a:r>
-              <a:rPr lang="zh-CN" altLang="en-US" sz="1600" dirty="0"/>
-              <a:t>边框图像区域超出边框的量。</a:t>
-            </a:r>
-            <a:endParaRPr lang="en-US" altLang="zh-CN" sz="1600" dirty="0"/>
+              <a:t>transition-timing-function </a:t>
+            </a:r>
+            <a:r>
+              <a:rPr lang="zh-CN" altLang="en-US" dirty="0" smtClean="0"/>
+              <a:t>过渡效果显示方式</a:t>
+            </a:r>
+            <a:endParaRPr lang="en-US" altLang="zh-CN" dirty="0" smtClean="0"/>
           </a:p>
           <a:p>
             <a:endParaRPr lang="zh-CN" altLang="en-US" dirty="0"/>
@@ -4945,7 +4848,11 @@
           <a:p>
             <a:r>
               <a:rPr lang="en-US" altLang="zh-CN" dirty="0" smtClean="0"/>
-              <a:t>border-image</a:t>
+              <a:t>5</a:t>
+            </a:r>
+            <a:r>
+              <a:rPr lang="zh-CN" altLang="en-US" dirty="0" smtClean="0"/>
+              <a:t>、多列</a:t>
             </a:r>
             <a:endParaRPr lang="zh-CN" altLang="en-US" dirty="0"/>
           </a:p>
@@ -4977,91 +4884,57 @@
             <a:pPr lvl="1"/>
             <a:r>
               <a:rPr lang="en-US" altLang="zh-CN" dirty="0"/>
-              <a:t>.border-image {</a:t>
-            </a:r>
-          </a:p>
-          <a:p>
-            <a:pPr lvl="2"/>
+              <a:t>column-count</a:t>
+            </a:r>
+          </a:p>
+          <a:p>
+            <a:pPr lvl="1"/>
             <a:r>
               <a:rPr lang="en-US" altLang="zh-CN" dirty="0"/>
-              <a:t>border: 15px dashed transparent;</a:t>
-            </a:r>
-          </a:p>
-          <a:p>
-            <a:pPr lvl="2"/>
+              <a:t>column-gap</a:t>
+            </a:r>
+          </a:p>
+          <a:p>
+            <a:pPr lvl="1"/>
             <a:r>
               <a:rPr lang="en-US" altLang="zh-CN" dirty="0"/>
-              <a:t>border-image-source: </a:t>
-            </a:r>
-            <a:r>
-              <a:rPr lang="en-US" altLang="zh-CN" dirty="0" err="1"/>
-              <a:t>url</a:t>
-            </a:r>
+              <a:t>column-rule-style</a:t>
+            </a:r>
+          </a:p>
+          <a:p>
+            <a:pPr lvl="1"/>
             <a:r>
               <a:rPr lang="en-US" altLang="zh-CN" dirty="0"/>
-              <a:t>(</a:t>
-            </a:r>
-            <a:r>
-              <a:rPr lang="en-US" altLang="zh-CN" u="sng" dirty="0">
-                <a:hlinkClick r:id="rId2"/>
-              </a:rPr>
-              <a:t>../images/</a:t>
-            </a:r>
-            <a:r>
-              <a:rPr lang="en-US" altLang="zh-CN" u="sng" dirty="0" err="1">
-                <a:hlinkClick r:id="rId2"/>
-              </a:rPr>
-              <a:t>biubiu</a:t>
-            </a:r>
-            <a:r>
-              <a:rPr lang="en-US" altLang="zh-CN" u="sng" dirty="0">
-                <a:hlinkClick r:id="rId2"/>
-              </a:rPr>
-              <a:t>/border.png</a:t>
-            </a:r>
+              <a:t>column-rule-width</a:t>
+            </a:r>
+          </a:p>
+          <a:p>
+            <a:pPr lvl="1"/>
             <a:r>
               <a:rPr lang="en-US" altLang="zh-CN" dirty="0"/>
-              <a:t>);</a:t>
-            </a:r>
-          </a:p>
-          <a:p>
-            <a:pPr lvl="2"/>
+              <a:t>column-rule-color</a:t>
+            </a:r>
+          </a:p>
+          <a:p>
+            <a:pPr lvl="1"/>
             <a:r>
               <a:rPr lang="en-US" altLang="zh-CN" dirty="0"/>
-              <a:t>border-image-repeat: round;</a:t>
-            </a:r>
-          </a:p>
-          <a:p>
-            <a:pPr lvl="2"/>
+              <a:t>column-rule</a:t>
+            </a:r>
+          </a:p>
+          <a:p>
+            <a:pPr lvl="1"/>
             <a:r>
               <a:rPr lang="en-US" altLang="zh-CN" dirty="0"/>
-              <a:t>border-image-slice: 30 30 30 30;</a:t>
-            </a:r>
-          </a:p>
-          <a:p>
-            <a:pPr lvl="2"/>
+              <a:t>column-span</a:t>
+            </a:r>
+          </a:p>
+          <a:p>
+            <a:pPr lvl="1"/>
             <a:r>
               <a:rPr lang="en-US" altLang="zh-CN" dirty="0"/>
-              <a:t>border-image-width: 1;</a:t>
-            </a:r>
-          </a:p>
-          <a:p>
-            <a:pPr lvl="2"/>
-            <a:r>
-              <a:rPr lang="en-US" altLang="zh-CN" dirty="0"/>
-              <a:t>border-image-outset: 0;</a:t>
-            </a:r>
-          </a:p>
-          <a:p>
-            <a:pPr lvl="1"/>
-            <a:r>
-              <a:rPr lang="en-US" altLang="zh-CN" dirty="0"/>
-              <a:t>}</a:t>
-            </a:r>
-          </a:p>
-          <a:p>
-            <a:pPr lvl="2"/>
-            <a:endParaRPr lang="en-US" altLang="zh-CN" dirty="0"/>
+              <a:t>column-width</a:t>
+            </a:r>
           </a:p>
           <a:p>
             <a:pPr lvl="1"/>
@@ -5132,11 +5005,19 @@
           <a:p>
             <a:r>
               <a:rPr lang="en-US" altLang="zh-CN" dirty="0" smtClean="0"/>
-              <a:t>2</a:t>
+              <a:t>6</a:t>
             </a:r>
             <a:r>
               <a:rPr lang="zh-CN" altLang="en-US" dirty="0" smtClean="0"/>
-              <a:t>、背景</a:t>
+              <a:t>、</a:t>
+            </a:r>
+            <a:r>
+              <a:rPr lang="en-US" altLang="zh-CN" dirty="0" smtClean="0"/>
+              <a:t>viewport </a:t>
+            </a:r>
+            <a:r>
+              <a:rPr lang="zh-CN" altLang="en-US" dirty="0" smtClean="0"/>
+              <a:t>与 单位</a:t>
             </a:r>
             <a:endParaRPr lang="zh-CN" altLang="en-US" dirty="0"/>
           </a:p>
@@ -5157,18 +5038,14 @@
           <a:bodyPr/>
           <a:lstStyle/>
           <a:p>
-            <a:r>
-              <a:rPr lang="en-US" altLang="zh-CN" dirty="0" smtClean="0"/>
-              <a:t> </a:t>
-            </a:r>
-            <a:endParaRPr lang="zh-CN" altLang="en-US" dirty="0"/>
+            <a:endParaRPr lang="zh-CN" altLang="en-US"/>
           </a:p>
         </p:txBody>
       </p:sp>
     </p:spTree>
     <p:extLst>
       <p:ext uri="{BB962C8B-B14F-4D97-AF65-F5344CB8AC3E}">
-        <p14:creationId xmlns:p14="http://schemas.microsoft.com/office/powerpoint/2010/main" val="3038578751"/>
+        <p14:creationId xmlns:p14="http://schemas.microsoft.com/office/powerpoint/2010/main" val="941103859"/>
       </p:ext>
     </p:extLst>
   </p:cSld>
@@ -5224,11 +5101,11 @@
           <a:p>
             <a:r>
               <a:rPr lang="en-US" altLang="zh-CN" dirty="0" smtClean="0"/>
-              <a:t>3</a:t>
+              <a:t>7</a:t>
             </a:r>
             <a:r>
               <a:rPr lang="zh-CN" altLang="en-US" dirty="0" smtClean="0"/>
-              <a:t>、文本</a:t>
+              <a:t>、弹性盒子</a:t>
             </a:r>
             <a:endParaRPr lang="zh-CN" altLang="en-US" dirty="0"/>
           </a:p>
@@ -5256,7 +5133,7 @@
     </p:spTree>
     <p:extLst>
       <p:ext uri="{BB962C8B-B14F-4D97-AF65-F5344CB8AC3E}">
-        <p14:creationId xmlns:p14="http://schemas.microsoft.com/office/powerpoint/2010/main" val="1261634305"/>
+        <p14:creationId xmlns:p14="http://schemas.microsoft.com/office/powerpoint/2010/main" val="211018000"/>
       </p:ext>
     </p:extLst>
   </p:cSld>

--- a/ppt/css3/css3-1.pptx
+++ b/ppt/css3/css3-1.pptx
@@ -5,10 +5,10 @@
     <p:sldMasterId id="2147483648" r:id="rId2"/>
   </p:sldMasterIdLst>
   <p:notesMasterIdLst>
-    <p:notesMasterId r:id="rId12"/>
+    <p:notesMasterId r:id="rId15"/>
   </p:notesMasterIdLst>
   <p:handoutMasterIdLst>
-    <p:handoutMasterId r:id="rId13"/>
+    <p:handoutMasterId r:id="rId16"/>
   </p:handoutMasterIdLst>
   <p:sldIdLst>
     <p:sldId id="256" r:id="rId3"/>
@@ -17,9 +17,12 @@
     <p:sldId id="266" r:id="rId6"/>
     <p:sldId id="267" r:id="rId7"/>
     <p:sldId id="268" r:id="rId8"/>
-    <p:sldId id="269" r:id="rId9"/>
-    <p:sldId id="272" r:id="rId10"/>
-    <p:sldId id="271" r:id="rId11"/>
+    <p:sldId id="275" r:id="rId9"/>
+    <p:sldId id="269" r:id="rId10"/>
+    <p:sldId id="273" r:id="rId11"/>
+    <p:sldId id="274" r:id="rId12"/>
+    <p:sldId id="272" r:id="rId13"/>
+    <p:sldId id="271" r:id="rId14"/>
   </p:sldIdLst>
   <p:sldSz cx="12192000" cy="6858000"/>
   <p:notesSz cx="6858000" cy="9144000"/>
@@ -4101,6 +4104,382 @@
 </p:sld>
 </file>
 
+<file path=ppt/slides/slide10.xml><?xml version="1.0" encoding="utf-8"?>
+<p:sld xmlns:a="http://schemas.openxmlformats.org/drawingml/2006/main" xmlns:r="http://schemas.openxmlformats.org/officeDocument/2006/relationships" xmlns:p="http://schemas.openxmlformats.org/presentationml/2006/main">
+  <p:cSld>
+    <p:spTree>
+      <p:nvGrpSpPr>
+        <p:cNvPr id="1" name=""/>
+        <p:cNvGrpSpPr/>
+        <p:nvPr/>
+      </p:nvGrpSpPr>
+      <p:grpSpPr>
+        <a:xfrm>
+          <a:off x="0" y="0"/>
+          <a:ext cx="0" cy="0"/>
+          <a:chOff x="0" y="0"/>
+          <a:chExt cx="0" cy="0"/>
+        </a:xfrm>
+      </p:grpSpPr>
+      <p:sp>
+        <p:nvSpPr>
+          <p:cNvPr id="2" name="标题 1"/>
+          <p:cNvSpPr>
+            <a:spLocks noGrp="1"/>
+          </p:cNvSpPr>
+          <p:nvPr>
+            <p:ph type="title"/>
+          </p:nvPr>
+        </p:nvSpPr>
+        <p:spPr/>
+        <p:txBody>
+          <a:bodyPr/>
+          <a:lstStyle/>
+          <a:p>
+            <a:r>
+              <a:rPr lang="en-US" altLang="zh-CN" dirty="0" smtClean="0"/>
+              <a:t>6.1</a:t>
+            </a:r>
+            <a:r>
+              <a:rPr lang="zh-CN" altLang="en-US" dirty="0" smtClean="0"/>
+              <a:t>单位</a:t>
+            </a:r>
+            <a:endParaRPr lang="zh-CN" altLang="en-US" dirty="0"/>
+          </a:p>
+        </p:txBody>
+      </p:sp>
+      <p:sp>
+        <p:nvSpPr>
+          <p:cNvPr id="3" name="内容占位符 2"/>
+          <p:cNvSpPr>
+            <a:spLocks noGrp="1"/>
+          </p:cNvSpPr>
+          <p:nvPr>
+            <p:ph idx="1"/>
+          </p:nvPr>
+        </p:nvSpPr>
+        <p:spPr/>
+        <p:txBody>
+          <a:bodyPr/>
+          <a:lstStyle/>
+          <a:p>
+            <a:r>
+              <a:rPr lang="zh-CN" altLang="en-US" dirty="0" smtClean="0"/>
+              <a:t>相对单位</a:t>
+            </a:r>
+            <a:endParaRPr lang="en-US" altLang="zh-CN" dirty="0" smtClean="0"/>
+          </a:p>
+          <a:p>
+            <a:pPr lvl="1"/>
+            <a:r>
+              <a:rPr lang="en-US" altLang="zh-CN" dirty="0" err="1" smtClean="0"/>
+              <a:t>em</a:t>
+            </a:r>
+            <a:r>
+              <a:rPr lang="zh-CN" altLang="en-US" dirty="0" smtClean="0"/>
+              <a:t>、</a:t>
+            </a:r>
+            <a:r>
+              <a:rPr lang="en-US" altLang="zh-CN" dirty="0" smtClean="0"/>
+              <a:t>rem</a:t>
+            </a:r>
+            <a:r>
+              <a:rPr lang="zh-CN" altLang="en-US" dirty="0" smtClean="0"/>
+              <a:t>、</a:t>
+            </a:r>
+            <a:r>
+              <a:rPr lang="en-US" altLang="zh-CN" dirty="0" err="1" smtClean="0"/>
+              <a:t>vw</a:t>
+            </a:r>
+            <a:r>
+              <a:rPr lang="zh-CN" altLang="en-US" dirty="0" smtClean="0"/>
+              <a:t>、</a:t>
+            </a:r>
+            <a:r>
+              <a:rPr lang="en-US" altLang="zh-CN" dirty="0" err="1" smtClean="0"/>
+              <a:t>vh</a:t>
+            </a:r>
+            <a:r>
+              <a:rPr lang="zh-CN" altLang="en-US" dirty="0" smtClean="0"/>
+              <a:t>、</a:t>
+            </a:r>
+            <a:r>
+              <a:rPr lang="en-US" altLang="zh-CN" dirty="0" smtClean="0"/>
+              <a:t>%</a:t>
+            </a:r>
+          </a:p>
+          <a:p>
+            <a:r>
+              <a:rPr lang="zh-CN" altLang="en-US" dirty="0" smtClean="0"/>
+              <a:t>绝对单位</a:t>
+            </a:r>
+            <a:endParaRPr lang="en-US" altLang="zh-CN" dirty="0" smtClean="0"/>
+          </a:p>
+          <a:p>
+            <a:pPr lvl="1"/>
+            <a:r>
+              <a:rPr lang="en-US" altLang="zh-CN" dirty="0" err="1" smtClean="0"/>
+              <a:t>px</a:t>
+            </a:r>
+            <a:r>
+              <a:rPr lang="zh-CN" altLang="en-US" dirty="0" smtClean="0"/>
+              <a:t>、</a:t>
+            </a:r>
+            <a:r>
+              <a:rPr lang="en-US" altLang="zh-CN" dirty="0" smtClean="0"/>
+              <a:t>cm</a:t>
+            </a:r>
+            <a:r>
+              <a:rPr lang="zh-CN" altLang="en-US" dirty="0" smtClean="0"/>
+              <a:t>、</a:t>
+            </a:r>
+            <a:r>
+              <a:rPr lang="en-US" altLang="zh-CN" dirty="0" smtClean="0"/>
+              <a:t>in</a:t>
+            </a:r>
+            <a:r>
+              <a:rPr lang="zh-CN" altLang="en-US" dirty="0" smtClean="0"/>
+              <a:t>、</a:t>
+            </a:r>
+            <a:r>
+              <a:rPr lang="en-US" altLang="zh-CN" dirty="0" smtClean="0"/>
+              <a:t>mm</a:t>
+            </a:r>
+            <a:endParaRPr lang="zh-CN" altLang="en-US" dirty="0"/>
+          </a:p>
+        </p:txBody>
+      </p:sp>
+    </p:spTree>
+    <p:extLst>
+      <p:ext uri="{BB962C8B-B14F-4D97-AF65-F5344CB8AC3E}">
+        <p14:creationId xmlns:p14="http://schemas.microsoft.com/office/powerpoint/2010/main" val="3764389483"/>
+      </p:ext>
+    </p:extLst>
+  </p:cSld>
+  <p:clrMapOvr>
+    <a:masterClrMapping/>
+  </p:clrMapOvr>
+  <mc:AlternateContent xmlns:mc="http://schemas.openxmlformats.org/markup-compatibility/2006" xmlns:p14="http://schemas.microsoft.com/office/powerpoint/2010/main">
+    <mc:Choice Requires="p14">
+      <p:transition spd="med" p14:dur="700">
+        <p:fade/>
+      </p:transition>
+    </mc:Choice>
+    <mc:Fallback xmlns="">
+      <p:transition spd="med">
+        <p:fade/>
+      </p:transition>
+    </mc:Fallback>
+  </mc:AlternateContent>
+  <p:timing>
+    <p:tnLst>
+      <p:par>
+        <p:cTn id="1" dur="indefinite" restart="never" nodeType="tmRoot"/>
+      </p:par>
+    </p:tnLst>
+  </p:timing>
+</p:sld>
+</file>
+
+<file path=ppt/slides/slide11.xml><?xml version="1.0" encoding="utf-8"?>
+<p:sld xmlns:a="http://schemas.openxmlformats.org/drawingml/2006/main" xmlns:r="http://schemas.openxmlformats.org/officeDocument/2006/relationships" xmlns:p="http://schemas.openxmlformats.org/presentationml/2006/main">
+  <p:cSld>
+    <p:spTree>
+      <p:nvGrpSpPr>
+        <p:cNvPr id="1" name=""/>
+        <p:cNvGrpSpPr/>
+        <p:nvPr/>
+      </p:nvGrpSpPr>
+      <p:grpSpPr>
+        <a:xfrm>
+          <a:off x="0" y="0"/>
+          <a:ext cx="0" cy="0"/>
+          <a:chOff x="0" y="0"/>
+          <a:chExt cx="0" cy="0"/>
+        </a:xfrm>
+      </p:grpSpPr>
+      <p:sp>
+        <p:nvSpPr>
+          <p:cNvPr id="2" name="标题 1"/>
+          <p:cNvSpPr>
+            <a:spLocks noGrp="1"/>
+          </p:cNvSpPr>
+          <p:nvPr>
+            <p:ph type="title"/>
+          </p:nvPr>
+        </p:nvSpPr>
+        <p:spPr/>
+        <p:txBody>
+          <a:bodyPr/>
+          <a:lstStyle/>
+          <a:p>
+            <a:r>
+              <a:rPr lang="en-US" altLang="zh-CN" dirty="0" smtClean="0"/>
+              <a:t>6.2</a:t>
+            </a:r>
+            <a:r>
+              <a:rPr lang="zh-CN" altLang="en-US" dirty="0" smtClean="0"/>
+              <a:t>、</a:t>
+            </a:r>
+            <a:r>
+              <a:rPr lang="en-US" altLang="zh-CN" dirty="0" smtClean="0"/>
+              <a:t>viewport</a:t>
+            </a:r>
+            <a:endParaRPr lang="zh-CN" altLang="en-US" dirty="0"/>
+          </a:p>
+        </p:txBody>
+      </p:sp>
+      <p:sp>
+        <p:nvSpPr>
+          <p:cNvPr id="3" name="内容占位符 2"/>
+          <p:cNvSpPr>
+            <a:spLocks noGrp="1"/>
+          </p:cNvSpPr>
+          <p:nvPr>
+            <p:ph idx="1"/>
+          </p:nvPr>
+        </p:nvSpPr>
+        <p:spPr/>
+        <p:txBody>
+          <a:bodyPr/>
+          <a:lstStyle/>
+          <a:p>
+            <a:r>
+              <a:rPr lang="en-US" altLang="zh-CN" dirty="0" smtClean="0"/>
+              <a:t>Viewport </a:t>
+            </a:r>
+            <a:r>
+              <a:rPr lang="zh-CN" altLang="en-US" dirty="0" smtClean="0"/>
+              <a:t>用户网页的可视区域，翻译过来叫“视区”</a:t>
+            </a:r>
+            <a:endParaRPr lang="zh-CN" altLang="en-US" dirty="0"/>
+          </a:p>
+        </p:txBody>
+      </p:sp>
+    </p:spTree>
+    <p:extLst>
+      <p:ext uri="{BB962C8B-B14F-4D97-AF65-F5344CB8AC3E}">
+        <p14:creationId xmlns:p14="http://schemas.microsoft.com/office/powerpoint/2010/main" val="941103859"/>
+      </p:ext>
+    </p:extLst>
+  </p:cSld>
+  <p:clrMapOvr>
+    <a:masterClrMapping/>
+  </p:clrMapOvr>
+  <mc:AlternateContent xmlns:mc="http://schemas.openxmlformats.org/markup-compatibility/2006" xmlns:p14="http://schemas.microsoft.com/office/powerpoint/2010/main">
+    <mc:Choice Requires="p14">
+      <p:transition spd="med" p14:dur="700">
+        <p:fade/>
+      </p:transition>
+    </mc:Choice>
+    <mc:Fallback xmlns="">
+      <p:transition spd="med">
+        <p:fade/>
+      </p:transition>
+    </mc:Fallback>
+  </mc:AlternateContent>
+  <p:timing>
+    <p:tnLst>
+      <p:par>
+        <p:cTn id="1" dur="indefinite" restart="never" nodeType="tmRoot"/>
+      </p:par>
+    </p:tnLst>
+  </p:timing>
+</p:sld>
+</file>
+
+<file path=ppt/slides/slide12.xml><?xml version="1.0" encoding="utf-8"?>
+<p:sld xmlns:a="http://schemas.openxmlformats.org/drawingml/2006/main" xmlns:r="http://schemas.openxmlformats.org/officeDocument/2006/relationships" xmlns:p="http://schemas.openxmlformats.org/presentationml/2006/main">
+  <p:cSld>
+    <p:spTree>
+      <p:nvGrpSpPr>
+        <p:cNvPr id="1" name=""/>
+        <p:cNvGrpSpPr/>
+        <p:nvPr/>
+      </p:nvGrpSpPr>
+      <p:grpSpPr>
+        <a:xfrm>
+          <a:off x="0" y="0"/>
+          <a:ext cx="0" cy="0"/>
+          <a:chOff x="0" y="0"/>
+          <a:chExt cx="0" cy="0"/>
+        </a:xfrm>
+      </p:grpSpPr>
+      <p:sp>
+        <p:nvSpPr>
+          <p:cNvPr id="2" name="标题 1"/>
+          <p:cNvSpPr>
+            <a:spLocks noGrp="1"/>
+          </p:cNvSpPr>
+          <p:nvPr>
+            <p:ph type="title"/>
+          </p:nvPr>
+        </p:nvSpPr>
+        <p:spPr/>
+        <p:txBody>
+          <a:bodyPr/>
+          <a:lstStyle/>
+          <a:p>
+            <a:r>
+              <a:rPr lang="en-US" altLang="zh-CN" dirty="0" smtClean="0"/>
+              <a:t>6.3</a:t>
+            </a:r>
+            <a:r>
+              <a:rPr lang="zh-CN" altLang="en-US" dirty="0" smtClean="0"/>
+              <a:t>、</a:t>
+            </a:r>
+            <a:r>
+              <a:rPr lang="zh-CN" altLang="en-US" dirty="0" smtClean="0"/>
+              <a:t>弹性盒子</a:t>
+            </a:r>
+            <a:endParaRPr lang="zh-CN" altLang="en-US" dirty="0"/>
+          </a:p>
+        </p:txBody>
+      </p:sp>
+      <p:sp>
+        <p:nvSpPr>
+          <p:cNvPr id="3" name="内容占位符 2"/>
+          <p:cNvSpPr>
+            <a:spLocks noGrp="1"/>
+          </p:cNvSpPr>
+          <p:nvPr>
+            <p:ph idx="1"/>
+          </p:nvPr>
+        </p:nvSpPr>
+        <p:spPr/>
+        <p:txBody>
+          <a:bodyPr/>
+          <a:lstStyle/>
+          <a:p>
+            <a:endParaRPr lang="zh-CN" altLang="en-US" dirty="0"/>
+          </a:p>
+        </p:txBody>
+      </p:sp>
+    </p:spTree>
+    <p:extLst>
+      <p:ext uri="{BB962C8B-B14F-4D97-AF65-F5344CB8AC3E}">
+        <p14:creationId xmlns:p14="http://schemas.microsoft.com/office/powerpoint/2010/main" val="211018000"/>
+      </p:ext>
+    </p:extLst>
+  </p:cSld>
+  <p:clrMapOvr>
+    <a:masterClrMapping/>
+  </p:clrMapOvr>
+  <mc:AlternateContent xmlns:mc="http://schemas.openxmlformats.org/markup-compatibility/2006" xmlns:p14="http://schemas.microsoft.com/office/powerpoint/2010/main">
+    <mc:Choice Requires="p14">
+      <p:transition spd="med" p14:dur="700">
+        <p:fade/>
+      </p:transition>
+    </mc:Choice>
+    <mc:Fallback xmlns="">
+      <p:transition spd="med">
+        <p:fade/>
+      </p:transition>
+    </mc:Fallback>
+  </mc:AlternateContent>
+</p:sld>
+</file>
+
 <file path=ppt/slides/slide2.xml><?xml version="1.0" encoding="utf-8"?>
 <p:sld xmlns:a="http://schemas.openxmlformats.org/drawingml/2006/main" xmlns:r="http://schemas.openxmlformats.org/officeDocument/2006/relationships" xmlns:p="http://schemas.openxmlformats.org/presentationml/2006/main">
   <p:cSld>
@@ -4536,6 +4915,13 @@
       </p:transition>
     </mc:Fallback>
   </mc:AlternateContent>
+  <p:timing>
+    <p:tnLst>
+      <p:par>
+        <p:cTn id="1" dur="indefinite" restart="never" nodeType="tmRoot"/>
+      </p:par>
+    </p:tnLst>
+  </p:timing>
 </p:sld>
 </file>
 
@@ -4687,6 +5073,13 @@
       </p:transition>
     </mc:Fallback>
   </mc:AlternateContent>
+  <p:timing>
+    <p:tnLst>
+      <p:par>
+        <p:cTn id="1" dur="indefinite" restart="never" nodeType="tmRoot"/>
+      </p:par>
+    </p:tnLst>
+  </p:timing>
 </p:sld>
 </file>
 
@@ -4811,10 +5204,157 @@
       </p:transition>
     </mc:Fallback>
   </mc:AlternateContent>
+  <p:timing>
+    <p:tnLst>
+      <p:par>
+        <p:cTn id="1" dur="indefinite" restart="never" nodeType="tmRoot"/>
+      </p:par>
+    </p:tnLst>
+  </p:timing>
 </p:sld>
 </file>
 
 <file path=ppt/slides/slide7.xml><?xml version="1.0" encoding="utf-8"?>
+<p:sld xmlns:a="http://schemas.openxmlformats.org/drawingml/2006/main" xmlns:r="http://schemas.openxmlformats.org/officeDocument/2006/relationships" xmlns:p="http://schemas.openxmlformats.org/presentationml/2006/main">
+  <p:cSld>
+    <p:spTree>
+      <p:nvGrpSpPr>
+        <p:cNvPr id="1" name=""/>
+        <p:cNvGrpSpPr/>
+        <p:nvPr/>
+      </p:nvGrpSpPr>
+      <p:grpSpPr>
+        <a:xfrm>
+          <a:off x="0" y="0"/>
+          <a:ext cx="0" cy="0"/>
+          <a:chOff x="0" y="0"/>
+          <a:chExt cx="0" cy="0"/>
+        </a:xfrm>
+      </p:grpSpPr>
+      <p:sp>
+        <p:nvSpPr>
+          <p:cNvPr id="2" name="标题 1"/>
+          <p:cNvSpPr>
+            <a:spLocks noGrp="1"/>
+          </p:cNvSpPr>
+          <p:nvPr>
+            <p:ph type="title"/>
+          </p:nvPr>
+        </p:nvSpPr>
+        <p:spPr/>
+        <p:txBody>
+          <a:bodyPr/>
+          <a:lstStyle/>
+          <a:p>
+            <a:r>
+              <a:rPr lang="zh-CN" altLang="en-US" dirty="0" smtClean="0"/>
+              <a:t>垂直外边距合并问题</a:t>
+            </a:r>
+            <a:endParaRPr lang="zh-CN" altLang="en-US" dirty="0"/>
+          </a:p>
+        </p:txBody>
+      </p:sp>
+      <p:sp>
+        <p:nvSpPr>
+          <p:cNvPr id="3" name="内容占位符 2"/>
+          <p:cNvSpPr>
+            <a:spLocks noGrp="1"/>
+          </p:cNvSpPr>
+          <p:nvPr>
+            <p:ph idx="1"/>
+          </p:nvPr>
+        </p:nvSpPr>
+        <p:spPr/>
+        <p:txBody>
+          <a:bodyPr/>
+          <a:lstStyle/>
+          <a:p>
+            <a:r>
+              <a:rPr lang="zh-CN" altLang="en-US" dirty="0"/>
+              <a:t>垂直外边距合并</a:t>
+            </a:r>
+            <a:r>
+              <a:rPr lang="zh-CN" altLang="en-US" dirty="0" smtClean="0"/>
+              <a:t>问题</a:t>
+            </a:r>
+            <a:endParaRPr lang="en-US" altLang="zh-CN" dirty="0" smtClean="0"/>
+          </a:p>
+          <a:p>
+            <a:r>
+              <a:rPr lang="zh-CN" altLang="en-US" dirty="0"/>
+              <a:t>根据规范，一个盒子如果没有上补白</a:t>
+            </a:r>
+            <a:r>
+              <a:rPr lang="en-US" altLang="zh-CN" dirty="0"/>
+              <a:t>(padding-top)</a:t>
+            </a:r>
+            <a:r>
+              <a:rPr lang="zh-CN" altLang="en-US" dirty="0"/>
+              <a:t>和上边框</a:t>
+            </a:r>
+            <a:r>
+              <a:rPr lang="en-US" altLang="zh-CN" dirty="0"/>
+              <a:t>(border-top)</a:t>
+            </a:r>
+            <a:r>
+              <a:rPr lang="zh-CN" altLang="en-US" dirty="0" smtClean="0"/>
+              <a:t>，</a:t>
+            </a:r>
+            <a:endParaRPr lang="en-US" altLang="zh-CN" dirty="0" smtClean="0"/>
+          </a:p>
+          <a:p>
+            <a:r>
+              <a:rPr lang="zh-CN" altLang="en-US" dirty="0" smtClean="0"/>
+              <a:t>那么</a:t>
+            </a:r>
+            <a:r>
+              <a:rPr lang="zh-CN" altLang="en-US" dirty="0"/>
+              <a:t>这个盒子的上边距会和其内部文档流中的第一个子元素的上边距重叠</a:t>
+            </a:r>
+            <a:r>
+              <a:rPr lang="zh-CN" altLang="en-US" dirty="0" smtClean="0"/>
+              <a:t>。</a:t>
+            </a:r>
+            <a:endParaRPr lang="en-US" altLang="zh-CN" dirty="0"/>
+          </a:p>
+          <a:p>
+            <a:endParaRPr lang="zh-CN" altLang="en-US" dirty="0"/>
+          </a:p>
+        </p:txBody>
+      </p:sp>
+    </p:spTree>
+    <p:extLst>
+      <p:ext uri="{BB962C8B-B14F-4D97-AF65-F5344CB8AC3E}">
+        <p14:creationId xmlns:p14="http://schemas.microsoft.com/office/powerpoint/2010/main" val="1839336515"/>
+      </p:ext>
+    </p:extLst>
+  </p:cSld>
+  <p:clrMapOvr>
+    <a:masterClrMapping/>
+  </p:clrMapOvr>
+  <mc:AlternateContent xmlns:mc="http://schemas.openxmlformats.org/markup-compatibility/2006" xmlns:p14="http://schemas.microsoft.com/office/powerpoint/2010/main">
+    <mc:Choice Requires="p14">
+      <p:transition spd="med" p14:dur="700">
+        <p:fade/>
+      </p:transition>
+    </mc:Choice>
+    <mc:Fallback xmlns="">
+      <p:transition spd="med">
+        <p:fade/>
+      </p:transition>
+    </mc:Fallback>
+  </mc:AlternateContent>
+  <p:timing>
+    <p:tnLst>
+      <p:par>
+        <p:cTn id="1" dur="indefinite" restart="never" nodeType="tmRoot"/>
+      </p:par>
+    </p:tnLst>
+  </p:timing>
+</p:sld>
+</file>
+
+<file path=ppt/slides/slide8.xml><?xml version="1.0" encoding="utf-8"?>
 <p:sld xmlns:a="http://schemas.openxmlformats.org/drawingml/2006/main" xmlns:r="http://schemas.openxmlformats.org/officeDocument/2006/relationships" xmlns:p="http://schemas.openxmlformats.org/presentationml/2006/main">
   <p:cSld>
     <p:spTree>
@@ -4968,102 +5508,13 @@
       </p:transition>
     </mc:Fallback>
   </mc:AlternateContent>
-</p:sld>
-</file>
-
-<file path=ppt/slides/slide8.xml><?xml version="1.0" encoding="utf-8"?>
-<p:sld xmlns:a="http://schemas.openxmlformats.org/drawingml/2006/main" xmlns:r="http://schemas.openxmlformats.org/officeDocument/2006/relationships" xmlns:p="http://schemas.openxmlformats.org/presentationml/2006/main">
-  <p:cSld>
-    <p:spTree>
-      <p:nvGrpSpPr>
-        <p:cNvPr id="1" name=""/>
-        <p:cNvGrpSpPr/>
-        <p:nvPr/>
-      </p:nvGrpSpPr>
-      <p:grpSpPr>
-        <a:xfrm>
-          <a:off x="0" y="0"/>
-          <a:ext cx="0" cy="0"/>
-          <a:chOff x="0" y="0"/>
-          <a:chExt cx="0" cy="0"/>
-        </a:xfrm>
-      </p:grpSpPr>
-      <p:sp>
-        <p:nvSpPr>
-          <p:cNvPr id="2" name="标题 1"/>
-          <p:cNvSpPr>
-            <a:spLocks noGrp="1"/>
-          </p:cNvSpPr>
-          <p:nvPr>
-            <p:ph type="title"/>
-          </p:nvPr>
-        </p:nvSpPr>
-        <p:spPr/>
-        <p:txBody>
-          <a:bodyPr/>
-          <a:lstStyle/>
-          <a:p>
-            <a:r>
-              <a:rPr lang="en-US" altLang="zh-CN" dirty="0" smtClean="0"/>
-              <a:t>6</a:t>
-            </a:r>
-            <a:r>
-              <a:rPr lang="zh-CN" altLang="en-US" dirty="0" smtClean="0"/>
-              <a:t>、</a:t>
-            </a:r>
-            <a:r>
-              <a:rPr lang="en-US" altLang="zh-CN" dirty="0" smtClean="0"/>
-              <a:t>viewport </a:t>
-            </a:r>
-            <a:r>
-              <a:rPr lang="zh-CN" altLang="en-US" dirty="0" smtClean="0"/>
-              <a:t>与 单位</a:t>
-            </a:r>
-            <a:endParaRPr lang="zh-CN" altLang="en-US" dirty="0"/>
-          </a:p>
-        </p:txBody>
-      </p:sp>
-      <p:sp>
-        <p:nvSpPr>
-          <p:cNvPr id="3" name="内容占位符 2"/>
-          <p:cNvSpPr>
-            <a:spLocks noGrp="1"/>
-          </p:cNvSpPr>
-          <p:nvPr>
-            <p:ph idx="1"/>
-          </p:nvPr>
-        </p:nvSpPr>
-        <p:spPr/>
-        <p:txBody>
-          <a:bodyPr/>
-          <a:lstStyle/>
-          <a:p>
-            <a:endParaRPr lang="zh-CN" altLang="en-US"/>
-          </a:p>
-        </p:txBody>
-      </p:sp>
-    </p:spTree>
-    <p:extLst>
-      <p:ext uri="{BB962C8B-B14F-4D97-AF65-F5344CB8AC3E}">
-        <p14:creationId xmlns:p14="http://schemas.microsoft.com/office/powerpoint/2010/main" val="941103859"/>
-      </p:ext>
-    </p:extLst>
-  </p:cSld>
-  <p:clrMapOvr>
-    <a:masterClrMapping/>
-  </p:clrMapOvr>
-  <mc:AlternateContent xmlns:mc="http://schemas.openxmlformats.org/markup-compatibility/2006" xmlns:p14="http://schemas.microsoft.com/office/powerpoint/2010/main">
-    <mc:Choice Requires="p14">
-      <p:transition spd="med" p14:dur="700">
-        <p:fade/>
-      </p:transition>
-    </mc:Choice>
-    <mc:Fallback xmlns="">
-      <p:transition spd="med">
-        <p:fade/>
-      </p:transition>
-    </mc:Fallback>
-  </mc:AlternateContent>
+  <p:timing>
+    <p:tnLst>
+      <p:par>
+        <p:cTn id="1" dur="indefinite" restart="never" nodeType="tmRoot"/>
+      </p:par>
+    </p:tnLst>
+  </p:timing>
 </p:sld>
 </file>
 
@@ -5101,39 +5552,80 @@
           <a:p>
             <a:r>
               <a:rPr lang="en-US" altLang="zh-CN" dirty="0" smtClean="0"/>
-              <a:t>7</a:t>
+              <a:t>6</a:t>
+            </a:r>
+            <a:r>
+              <a:rPr lang="zh-CN" altLang="en-US" dirty="0" smtClean="0"/>
+              <a:t>、响应式布局</a:t>
+            </a:r>
+            <a:endParaRPr lang="zh-CN" altLang="en-US" dirty="0"/>
+          </a:p>
+        </p:txBody>
+      </p:sp>
+      <p:sp>
+        <p:nvSpPr>
+          <p:cNvPr id="3" name="内容占位符 2"/>
+          <p:cNvSpPr>
+            <a:spLocks noGrp="1"/>
+          </p:cNvSpPr>
+          <p:nvPr>
+            <p:ph idx="1"/>
+          </p:nvPr>
+        </p:nvSpPr>
+        <p:spPr/>
+        <p:txBody>
+          <a:bodyPr/>
+          <a:lstStyle/>
+          <a:p>
+            <a:r>
+              <a:rPr lang="en-US" altLang="zh-CN" dirty="0"/>
+              <a:t>1</a:t>
+            </a:r>
+            <a:r>
+              <a:rPr lang="zh-CN" altLang="en-US" dirty="0"/>
+              <a:t>、</a:t>
+            </a:r>
+            <a:r>
+              <a:rPr lang="zh-CN" altLang="en-US" dirty="0" smtClean="0"/>
+              <a:t>单位</a:t>
+            </a:r>
+            <a:endParaRPr lang="en-US" altLang="zh-CN" dirty="0" smtClean="0"/>
+          </a:p>
+          <a:p>
+            <a:r>
+              <a:rPr lang="en-US" altLang="zh-CN" dirty="0" smtClean="0"/>
+              <a:t>2</a:t>
+            </a:r>
+            <a:r>
+              <a:rPr lang="zh-CN" altLang="en-US" dirty="0" smtClean="0"/>
+              <a:t>、</a:t>
+            </a:r>
+            <a:r>
+              <a:rPr lang="en-US" altLang="zh-CN" dirty="0" smtClean="0"/>
+              <a:t>viewport</a:t>
+            </a:r>
+            <a:endParaRPr lang="en-US" altLang="zh-CN" dirty="0"/>
+          </a:p>
+          <a:p>
+            <a:r>
+              <a:rPr lang="en-US" altLang="zh-CN" dirty="0" smtClean="0"/>
+              <a:t>3</a:t>
             </a:r>
             <a:r>
               <a:rPr lang="zh-CN" altLang="en-US" dirty="0" smtClean="0"/>
               <a:t>、弹性盒子</a:t>
             </a:r>
+            <a:endParaRPr lang="en-US" altLang="zh-CN" dirty="0" smtClean="0"/>
+          </a:p>
+          <a:p>
             <a:endParaRPr lang="zh-CN" altLang="en-US" dirty="0"/>
-          </a:p>
-        </p:txBody>
-      </p:sp>
-      <p:sp>
-        <p:nvSpPr>
-          <p:cNvPr id="3" name="内容占位符 2"/>
-          <p:cNvSpPr>
-            <a:spLocks noGrp="1"/>
-          </p:cNvSpPr>
-          <p:nvPr>
-            <p:ph idx="1"/>
-          </p:nvPr>
-        </p:nvSpPr>
-        <p:spPr/>
-        <p:txBody>
-          <a:bodyPr/>
-          <a:lstStyle/>
-          <a:p>
-            <a:endParaRPr lang="zh-CN" altLang="en-US"/>
           </a:p>
         </p:txBody>
       </p:sp>
     </p:spTree>
     <p:extLst>
       <p:ext uri="{BB962C8B-B14F-4D97-AF65-F5344CB8AC3E}">
-        <p14:creationId xmlns:p14="http://schemas.microsoft.com/office/powerpoint/2010/main" val="211018000"/>
+        <p14:creationId xmlns:p14="http://schemas.microsoft.com/office/powerpoint/2010/main" val="1425463035"/>
       </p:ext>
     </p:extLst>
   </p:cSld>
@@ -5152,6 +5644,13 @@
       </p:transition>
     </mc:Fallback>
   </mc:AlternateContent>
+  <p:timing>
+    <p:tnLst>
+      <p:par>
+        <p:cTn id="1" dur="indefinite" restart="never" nodeType="tmRoot"/>
+      </p:par>
+    </p:tnLst>
+  </p:timing>
 </p:sld>
 </file>
 

--- a/ppt/css3/css3-1.pptx
+++ b/ppt/css3/css3-1.pptx
@@ -214,7 +214,7 @@
           <a:p>
             <a:fld id="{20EA5F0D-C1DC-412F-A146-DDB3A74B588F}" type="datetimeFigureOut">
               <a:rPr lang="en-US" altLang="zh-CN"/>
-              <a:t>12/1/2016</a:t>
+              <a:t>12/4/2016</a:t>
             </a:fld>
             <a:endParaRPr lang="zh-CN"/>
           </a:p>
@@ -378,7 +378,7 @@
           </a:lstStyle>
           <a:p>
             <a:fld id="{A8CDE508-72C8-4AB5-AA9C-1584D31690E0}" type="datetimeFigureOut">
-              <a:t>2016/12/1</a:t>
+              <a:t>2016/12/4</a:t>
             </a:fld>
             <a:endParaRPr lang="zh-CN"/>
           </a:p>
@@ -993,7 +993,7 @@
           <a:lstStyle/>
           <a:p>
             <a:fld id="{9E583DDF-CA54-461A-A486-592D2374C532}" type="datetimeFigureOut">
-              <a:t>2016/12/1</a:t>
+              <a:t>2016/12/4</a:t>
             </a:fld>
             <a:endParaRPr lang="zh-CN"/>
           </a:p>
@@ -1183,7 +1183,7 @@
           <a:lstStyle/>
           <a:p>
             <a:fld id="{9E583DDF-CA54-461A-A486-592D2374C532}" type="datetimeFigureOut">
-              <a:t>2016/12/1</a:t>
+              <a:t>2016/12/4</a:t>
             </a:fld>
             <a:endParaRPr lang="zh-CN"/>
           </a:p>
@@ -1363,7 +1363,7 @@
           <a:lstStyle/>
           <a:p>
             <a:fld id="{9E583DDF-CA54-461A-A486-592D2374C532}" type="datetimeFigureOut">
-              <a:t>2016/12/1</a:t>
+              <a:t>2016/12/4</a:t>
             </a:fld>
             <a:endParaRPr lang="zh-CN"/>
           </a:p>
@@ -1674,7 +1674,7 @@
           <a:lstStyle/>
           <a:p>
             <a:fld id="{9E583DDF-CA54-461A-A486-592D2374C532}" type="datetimeFigureOut">
-              <a:t>2016/12/1</a:t>
+              <a:t>2016/12/4</a:t>
             </a:fld>
             <a:endParaRPr lang="zh-CN"/>
           </a:p>
@@ -1981,7 +1981,7 @@
           <a:lstStyle/>
           <a:p>
             <a:fld id="{0A879FD0-C37A-4F50-8F3B-5FA0D9D0B42F}" type="datetimeFigureOut">
-              <a:t>2016/12/1</a:t>
+              <a:t>2016/12/4</a:t>
             </a:fld>
             <a:endParaRPr lang="zh-CN"/>
           </a:p>
@@ -2435,7 +2435,7 @@
           <a:lstStyle/>
           <a:p>
             <a:fld id="{9E583DDF-CA54-461A-A486-592D2374C532}" type="datetimeFigureOut">
-              <a:t>2016/12/1</a:t>
+              <a:t>2016/12/4</a:t>
             </a:fld>
             <a:endParaRPr lang="zh-CN"/>
           </a:p>
@@ -2570,7 +2570,7 @@
           <a:lstStyle/>
           <a:p>
             <a:fld id="{9E583DDF-CA54-461A-A486-592D2374C532}" type="datetimeFigureOut">
-              <a:t>2016/12/1</a:t>
+              <a:t>2016/12/4</a:t>
             </a:fld>
             <a:endParaRPr lang="zh-CN"/>
           </a:p>
@@ -2720,7 +2720,7 @@
           <a:lstStyle/>
           <a:p>
             <a:fld id="{9E583DDF-CA54-461A-A486-592D2374C532}" type="datetimeFigureOut">
-              <a:t>2016/12/1</a:t>
+              <a:t>2016/12/4</a:t>
             </a:fld>
             <a:endParaRPr lang="zh-CN"/>
           </a:p>
@@ -3016,7 +3016,7 @@
           <a:lstStyle/>
           <a:p>
             <a:fld id="{9E583DDF-CA54-461A-A486-592D2374C532}" type="datetimeFigureOut">
-              <a:t>2016/12/1</a:t>
+              <a:t>2016/12/4</a:t>
             </a:fld>
             <a:endParaRPr lang="zh-CN"/>
           </a:p>
@@ -3300,7 +3300,7 @@
           <a:lstStyle/>
           <a:p>
             <a:fld id="{9E583DDF-CA54-461A-A486-592D2374C532}" type="datetimeFigureOut">
-              <a:t>2016/12/1</a:t>
+              <a:t>2016/12/4</a:t>
             </a:fld>
             <a:endParaRPr lang="zh-CN"/>
           </a:p>
@@ -3573,7 +3573,7 @@
             <a:fld id="{9E583DDF-CA54-461A-A486-592D2374C532}" type="datetimeFigureOut">
               <a:rPr lang="en-US" altLang="zh-CN" smtClean="0"/>
               <a:pPr/>
-              <a:t>12/1/2016</a:t>
+              <a:t>12/4/2016</a:t>
             </a:fld>
             <a:endParaRPr lang="zh-CN" altLang="en-US"/>
           </a:p>
@@ -4426,11 +4426,7 @@
             </a:r>
             <a:r>
               <a:rPr lang="zh-CN" altLang="en-US" dirty="0" smtClean="0"/>
-              <a:t>、</a:t>
-            </a:r>
-            <a:r>
-              <a:rPr lang="zh-CN" altLang="en-US" dirty="0" smtClean="0"/>
-              <a:t>弹性盒子</a:t>
+              <a:t>、弹性盒子</a:t>
             </a:r>
             <a:endParaRPr lang="zh-CN" altLang="en-US" dirty="0"/>
           </a:p>
@@ -5314,6 +5310,13 @@
             <a:r>
               <a:rPr lang="zh-CN" altLang="en-US" dirty="0" smtClean="0"/>
               <a:t>。</a:t>
+            </a:r>
+            <a:endParaRPr lang="en-US" altLang="zh-CN" dirty="0" smtClean="0"/>
+          </a:p>
+          <a:p>
+            <a:r>
+              <a:rPr lang="zh-CN" altLang="en-US" smtClean="0"/>
+              <a:t>并且会显示为较大的那个外边距</a:t>
             </a:r>
             <a:endParaRPr lang="en-US" altLang="zh-CN" dirty="0"/>
           </a:p>

--- a/ppt/css3/css3-1.pptx
+++ b/ppt/css3/css3-1.pptx
@@ -5315,7 +5315,7 @@
           </a:p>
           <a:p>
             <a:r>
-              <a:rPr lang="zh-CN" altLang="en-US" smtClean="0"/>
+              <a:rPr lang="zh-CN" altLang="en-US" dirty="0" smtClean="0"/>
               <a:t>并且会显示为较大的那个外边距</a:t>
             </a:r>
             <a:endParaRPr lang="en-US" altLang="zh-CN" dirty="0"/>
